--- a/spring ch1.pptx
+++ b/spring ch1.pptx
@@ -118,7 +118,7 @@
   </p:defaultTextStyle>
   <p:extLst>
     <p:ext uri="{EFAFB233-063F-42B5-8137-9DF3F51BA10A}">
-      <p15:sldGuideLst xmlns:p15="http://schemas.microsoft.com/office/powerpoint/2012/main">
+      <p15:sldGuideLst xmlns:p15="http://schemas.microsoft.com/office/powerpoint/2012/main" xmlns="">
         <p15:guide id="1" orient="horz" pos="2160">
           <p15:clr>
             <a:srgbClr val="A4A3A4"/>
@@ -3904,14 +3904,14 @@
         <p:nvCxnSpPr>
           <p:cNvPr id="19" name="직선 화살표 연결선 18"/>
           <p:cNvCxnSpPr>
-            <a:endCxn id="11" idx="2"/>
+            <a:stCxn id="11" idx="2"/>
           </p:cNvCxnSpPr>
           <p:nvPr/>
         </p:nvCxnSpPr>
         <p:spPr>
-          <a:xfrm>
-            <a:off x="3073099" y="2493818"/>
-            <a:ext cx="1675547" cy="168478"/>
+          <a:xfrm flipH="1" flipV="1">
+            <a:off x="3004827" y="2353484"/>
+            <a:ext cx="1743819" cy="308812"/>
           </a:xfrm>
           <a:prstGeom prst="straightConnector1">
             <a:avLst/>
@@ -5188,15 +5188,13 @@
       <p:cxnSp>
         <p:nvCxnSpPr>
           <p:cNvPr id="19" name="직선 화살표 연결선 18"/>
-          <p:cNvCxnSpPr>
-            <a:endCxn id="11" idx="2"/>
-          </p:cNvCxnSpPr>
+          <p:cNvCxnSpPr/>
           <p:nvPr/>
         </p:nvCxnSpPr>
         <p:spPr>
-          <a:xfrm>
-            <a:off x="3056474" y="3674225"/>
-            <a:ext cx="1675547" cy="168478"/>
+          <a:xfrm flipH="1" flipV="1">
+            <a:off x="2988202" y="3618523"/>
+            <a:ext cx="1710221" cy="301456"/>
           </a:xfrm>
           <a:prstGeom prst="straightConnector1">
             <a:avLst/>
@@ -6086,18 +6084,61 @@
           </a:fontRef>
         </p:style>
       </p:cxnSp>
+      <p:sp>
+        <p:nvSpPr>
+          <p:cNvPr id="21" name="왼쪽/오른쪽 화살표 20"/>
+          <p:cNvSpPr/>
+          <p:nvPr/>
+        </p:nvSpPr>
+        <p:spPr>
+          <a:xfrm rot="5400000">
+            <a:off x="5141552" y="2965017"/>
+            <a:ext cx="537559" cy="325315"/>
+          </a:xfrm>
+          <a:prstGeom prst="leftRightArrow">
+            <a:avLst>
+              <a:gd name="adj1" fmla="val 39778"/>
+              <a:gd name="adj2" fmla="val 34669"/>
+            </a:avLst>
+          </a:prstGeom>
+        </p:spPr>
+        <p:style>
+          <a:lnRef idx="2">
+            <a:schemeClr val="accent1">
+              <a:shade val="50000"/>
+            </a:schemeClr>
+          </a:lnRef>
+          <a:fillRef idx="1">
+            <a:schemeClr val="accent1"/>
+          </a:fillRef>
+          <a:effectRef idx="0">
+            <a:schemeClr val="accent1"/>
+          </a:effectRef>
+          <a:fontRef idx="minor">
+            <a:schemeClr val="lt1"/>
+          </a:fontRef>
+        </p:style>
+        <p:txBody>
+          <a:bodyPr rtlCol="0" anchor="ctr"/>
+          <a:lstStyle/>
+          <a:p>
+            <a:pPr algn="ctr"/>
+            <a:endParaRPr lang="ko-KR" altLang="en-US"/>
+          </a:p>
+        </p:txBody>
+      </p:sp>
       <p:cxnSp>
         <p:nvCxnSpPr>
-          <p:cNvPr id="19" name="직선 화살표 연결선 18"/>
+          <p:cNvPr id="16" name="직선 화살표 연결선 15"/>
           <p:cNvCxnSpPr>
-            <a:endCxn id="11" idx="2"/>
+            <a:stCxn id="11" idx="2"/>
           </p:cNvCxnSpPr>
           <p:nvPr/>
         </p:nvCxnSpPr>
         <p:spPr>
-          <a:xfrm>
-            <a:off x="3056474" y="3674225"/>
-            <a:ext cx="1675547" cy="168478"/>
+          <a:xfrm flipH="1" flipV="1">
+            <a:off x="2971403" y="3501780"/>
+            <a:ext cx="1760618" cy="340923"/>
           </a:xfrm>
           <a:prstGeom prst="straightConnector1">
             <a:avLst/>
@@ -6126,49 +6167,6 @@
           </a:fontRef>
         </p:style>
       </p:cxnSp>
-      <p:sp>
-        <p:nvSpPr>
-          <p:cNvPr id="21" name="왼쪽/오른쪽 화살표 20"/>
-          <p:cNvSpPr/>
-          <p:nvPr/>
-        </p:nvSpPr>
-        <p:spPr>
-          <a:xfrm rot="5400000">
-            <a:off x="5141552" y="2965017"/>
-            <a:ext cx="537559" cy="325315"/>
-          </a:xfrm>
-          <a:prstGeom prst="leftRightArrow">
-            <a:avLst>
-              <a:gd name="adj1" fmla="val 39778"/>
-              <a:gd name="adj2" fmla="val 34669"/>
-            </a:avLst>
-          </a:prstGeom>
-        </p:spPr>
-        <p:style>
-          <a:lnRef idx="2">
-            <a:schemeClr val="accent1">
-              <a:shade val="50000"/>
-            </a:schemeClr>
-          </a:lnRef>
-          <a:fillRef idx="1">
-            <a:schemeClr val="accent1"/>
-          </a:fillRef>
-          <a:effectRef idx="0">
-            <a:schemeClr val="accent1"/>
-          </a:effectRef>
-          <a:fontRef idx="minor">
-            <a:schemeClr val="lt1"/>
-          </a:fontRef>
-        </p:style>
-        <p:txBody>
-          <a:bodyPr rtlCol="0" anchor="ctr"/>
-          <a:lstStyle/>
-          <a:p>
-            <a:pPr algn="ctr"/>
-            <a:endParaRPr lang="ko-KR" altLang="en-US"/>
-          </a:p>
-        </p:txBody>
-      </p:sp>
     </p:spTree>
     <p:extLst>
       <p:ext uri="{BB962C8B-B14F-4D97-AF65-F5344CB8AC3E}">
@@ -6875,18 +6873,149 @@
           </a:fontRef>
         </p:style>
       </p:cxnSp>
+      <p:sp>
+        <p:nvSpPr>
+          <p:cNvPr id="21" name="왼쪽/오른쪽 화살표 20"/>
+          <p:cNvSpPr/>
+          <p:nvPr/>
+        </p:nvSpPr>
+        <p:spPr>
+          <a:xfrm rot="5400000">
+            <a:off x="5158177" y="1784610"/>
+            <a:ext cx="537559" cy="325315"/>
+          </a:xfrm>
+          <a:prstGeom prst="leftRightArrow">
+            <a:avLst>
+              <a:gd name="adj1" fmla="val 39778"/>
+              <a:gd name="adj2" fmla="val 34669"/>
+            </a:avLst>
+          </a:prstGeom>
+        </p:spPr>
+        <p:style>
+          <a:lnRef idx="2">
+            <a:schemeClr val="accent1">
+              <a:shade val="50000"/>
+            </a:schemeClr>
+          </a:lnRef>
+          <a:fillRef idx="1">
+            <a:schemeClr val="accent1"/>
+          </a:fillRef>
+          <a:effectRef idx="0">
+            <a:schemeClr val="accent1"/>
+          </a:effectRef>
+          <a:fontRef idx="minor">
+            <a:schemeClr val="lt1"/>
+          </a:fontRef>
+        </p:style>
+        <p:txBody>
+          <a:bodyPr rtlCol="0" anchor="ctr"/>
+          <a:lstStyle/>
+          <a:p>
+            <a:pPr algn="ctr"/>
+            <a:endParaRPr lang="ko-KR" altLang="en-US"/>
+          </a:p>
+        </p:txBody>
+      </p:sp>
+      <p:sp>
+        <p:nvSpPr>
+          <p:cNvPr id="6" name="TextBox 5"/>
+          <p:cNvSpPr txBox="1"/>
+          <p:nvPr/>
+        </p:nvSpPr>
+        <p:spPr>
+          <a:xfrm>
+            <a:off x="939338" y="4073236"/>
+            <a:ext cx="8720051" cy="1615827"/>
+          </a:xfrm>
+          <a:prstGeom prst="rect">
+            <a:avLst/>
+          </a:prstGeom>
+          <a:noFill/>
+        </p:spPr>
+        <p:txBody>
+          <a:bodyPr wrap="square" rtlCol="0">
+            <a:spAutoFit/>
+          </a:bodyPr>
+          <a:lstStyle/>
+          <a:p>
+            <a:r>
+              <a:rPr lang="en-US" altLang="ko-KR" dirty="0" smtClean="0"/>
+              <a:t>MVC </a:t>
+            </a:r>
+            <a:r>
+              <a:rPr lang="ko-KR" altLang="en-US" dirty="0" smtClean="0"/>
+              <a:t>구성요소</a:t>
+            </a:r>
+            <a:endParaRPr lang="en-US" altLang="ko-KR" dirty="0" smtClean="0"/>
+          </a:p>
+          <a:p>
+            <a:pPr>
+              <a:lnSpc>
+                <a:spcPct val="150000"/>
+              </a:lnSpc>
+            </a:pPr>
+            <a:r>
+              <a:rPr lang="en-US" altLang="ko-KR" dirty="0" smtClean="0"/>
+              <a:t>Controller : </a:t>
+            </a:r>
+            <a:r>
+              <a:rPr lang="ko-KR" altLang="en-US" dirty="0" smtClean="0"/>
+              <a:t>사용자의 요청 및 흐름 제어를 담당</a:t>
+            </a:r>
+            <a:endParaRPr lang="en-US" altLang="ko-KR" dirty="0" smtClean="0"/>
+          </a:p>
+          <a:p>
+            <a:pPr>
+              <a:lnSpc>
+                <a:spcPct val="150000"/>
+              </a:lnSpc>
+            </a:pPr>
+            <a:r>
+              <a:rPr lang="en-US" altLang="ko-KR" dirty="0" smtClean="0"/>
+              <a:t>Model : </a:t>
+            </a:r>
+            <a:r>
+              <a:rPr lang="ko-KR" altLang="en-US" dirty="0" smtClean="0"/>
+              <a:t>비즈니스 </a:t>
+            </a:r>
+            <a:r>
+              <a:rPr lang="ko-KR" altLang="en-US" dirty="0" err="1" smtClean="0"/>
+              <a:t>로직을</a:t>
+            </a:r>
+            <a:r>
+              <a:rPr lang="ko-KR" altLang="en-US" dirty="0" smtClean="0"/>
+              <a:t> 처리</a:t>
+            </a:r>
+            <a:endParaRPr lang="en-US" altLang="ko-KR" dirty="0" smtClean="0"/>
+          </a:p>
+          <a:p>
+            <a:pPr>
+              <a:lnSpc>
+                <a:spcPct val="150000"/>
+              </a:lnSpc>
+            </a:pPr>
+            <a:r>
+              <a:rPr lang="en-US" altLang="ko-KR" dirty="0" smtClean="0"/>
+              <a:t>View : </a:t>
+            </a:r>
+            <a:r>
+              <a:rPr lang="ko-KR" altLang="en-US" dirty="0" smtClean="0"/>
+              <a:t>사용자에게 보여줄 화면을 담당</a:t>
+            </a:r>
+            <a:endParaRPr lang="ko-KR" altLang="en-US" dirty="0"/>
+          </a:p>
+        </p:txBody>
+      </p:sp>
       <p:cxnSp>
         <p:nvCxnSpPr>
-          <p:cNvPr id="19" name="직선 화살표 연결선 18"/>
-          <p:cNvCxnSpPr>
-            <a:endCxn id="11" idx="2"/>
-          </p:cNvCxnSpPr>
+          <p:cNvPr id="16" name="직선 화살표 연결선 15"/>
+          <p:cNvCxnSpPr/>
           <p:nvPr/>
         </p:nvCxnSpPr>
         <p:spPr>
-          <a:xfrm>
-            <a:off x="3073099" y="2493818"/>
-            <a:ext cx="1675547" cy="168478"/>
+          <a:xfrm flipH="1" flipV="1">
+            <a:off x="3004827" y="2353484"/>
+            <a:ext cx="1743819" cy="308812"/>
           </a:xfrm>
           <a:prstGeom prst="straightConnector1">
             <a:avLst/>
@@ -6915,139 +7044,6 @@
           </a:fontRef>
         </p:style>
       </p:cxnSp>
-      <p:sp>
-        <p:nvSpPr>
-          <p:cNvPr id="21" name="왼쪽/오른쪽 화살표 20"/>
-          <p:cNvSpPr/>
-          <p:nvPr/>
-        </p:nvSpPr>
-        <p:spPr>
-          <a:xfrm rot="5400000">
-            <a:off x="5158177" y="1784610"/>
-            <a:ext cx="537559" cy="325315"/>
-          </a:xfrm>
-          <a:prstGeom prst="leftRightArrow">
-            <a:avLst>
-              <a:gd name="adj1" fmla="val 39778"/>
-              <a:gd name="adj2" fmla="val 34669"/>
-            </a:avLst>
-          </a:prstGeom>
-        </p:spPr>
-        <p:style>
-          <a:lnRef idx="2">
-            <a:schemeClr val="accent1">
-              <a:shade val="50000"/>
-            </a:schemeClr>
-          </a:lnRef>
-          <a:fillRef idx="1">
-            <a:schemeClr val="accent1"/>
-          </a:fillRef>
-          <a:effectRef idx="0">
-            <a:schemeClr val="accent1"/>
-          </a:effectRef>
-          <a:fontRef idx="minor">
-            <a:schemeClr val="lt1"/>
-          </a:fontRef>
-        </p:style>
-        <p:txBody>
-          <a:bodyPr rtlCol="0" anchor="ctr"/>
-          <a:lstStyle/>
-          <a:p>
-            <a:pPr algn="ctr"/>
-            <a:endParaRPr lang="ko-KR" altLang="en-US"/>
-          </a:p>
-        </p:txBody>
-      </p:sp>
-      <p:sp>
-        <p:nvSpPr>
-          <p:cNvPr id="6" name="TextBox 5"/>
-          <p:cNvSpPr txBox="1"/>
-          <p:nvPr/>
-        </p:nvSpPr>
-        <p:spPr>
-          <a:xfrm>
-            <a:off x="939338" y="4073236"/>
-            <a:ext cx="8720051" cy="1615827"/>
-          </a:xfrm>
-          <a:prstGeom prst="rect">
-            <a:avLst/>
-          </a:prstGeom>
-          <a:noFill/>
-        </p:spPr>
-        <p:txBody>
-          <a:bodyPr wrap="square" rtlCol="0">
-            <a:spAutoFit/>
-          </a:bodyPr>
-          <a:lstStyle/>
-          <a:p>
-            <a:r>
-              <a:rPr lang="en-US" altLang="ko-KR" dirty="0" smtClean="0"/>
-              <a:t>MVC </a:t>
-            </a:r>
-            <a:r>
-              <a:rPr lang="ko-KR" altLang="en-US" dirty="0" smtClean="0"/>
-              <a:t>구성요소</a:t>
-            </a:r>
-            <a:endParaRPr lang="en-US" altLang="ko-KR" dirty="0" smtClean="0"/>
-          </a:p>
-          <a:p>
-            <a:pPr>
-              <a:lnSpc>
-                <a:spcPct val="150000"/>
-              </a:lnSpc>
-            </a:pPr>
-            <a:r>
-              <a:rPr lang="en-US" altLang="ko-KR" dirty="0" smtClean="0"/>
-              <a:t>Controller : </a:t>
-            </a:r>
-            <a:r>
-              <a:rPr lang="ko-KR" altLang="en-US" dirty="0" smtClean="0"/>
-              <a:t>사용자의 요청 및 흐름 제어를 담당</a:t>
-            </a:r>
-            <a:endParaRPr lang="en-US" altLang="ko-KR" dirty="0" smtClean="0"/>
-          </a:p>
-          <a:p>
-            <a:pPr>
-              <a:lnSpc>
-                <a:spcPct val="150000"/>
-              </a:lnSpc>
-            </a:pPr>
-            <a:r>
-              <a:rPr lang="en-US" altLang="ko-KR" dirty="0" smtClean="0"/>
-              <a:t>Model : </a:t>
-            </a:r>
-            <a:r>
-              <a:rPr lang="ko-KR" altLang="en-US" dirty="0" smtClean="0"/>
-              <a:t>비즈니스 </a:t>
-            </a:r>
-            <a:r>
-              <a:rPr lang="ko-KR" altLang="en-US" dirty="0" err="1" smtClean="0"/>
-              <a:t>로직을</a:t>
-            </a:r>
-            <a:r>
-              <a:rPr lang="ko-KR" altLang="en-US" dirty="0" smtClean="0"/>
-              <a:t> 처리</a:t>
-            </a:r>
-            <a:endParaRPr lang="en-US" altLang="ko-KR" dirty="0" smtClean="0"/>
-          </a:p>
-          <a:p>
-            <a:pPr>
-              <a:lnSpc>
-                <a:spcPct val="150000"/>
-              </a:lnSpc>
-            </a:pPr>
-            <a:r>
-              <a:rPr lang="en-US" altLang="ko-KR" dirty="0" smtClean="0"/>
-              <a:t>View : </a:t>
-            </a:r>
-            <a:r>
-              <a:rPr lang="ko-KR" altLang="en-US" dirty="0" smtClean="0"/>
-              <a:t>사용자에게 보여줄 화면을 담당</a:t>
-            </a:r>
-            <a:endParaRPr lang="ko-KR" altLang="en-US" dirty="0"/>
-          </a:p>
-        </p:txBody>
-      </p:sp>
     </p:spTree>
     <p:extLst>
       <p:ext uri="{BB962C8B-B14F-4D97-AF65-F5344CB8AC3E}">
@@ -7405,18 +7401,358 @@
           </a:fontRef>
         </p:style>
       </p:cxnSp>
+      <p:sp>
+        <p:nvSpPr>
+          <p:cNvPr id="21" name="왼쪽/오른쪽 화살표 20"/>
+          <p:cNvSpPr/>
+          <p:nvPr/>
+        </p:nvSpPr>
+        <p:spPr>
+          <a:xfrm rot="5400000">
+            <a:off x="5158177" y="1784610"/>
+            <a:ext cx="537559" cy="325315"/>
+          </a:xfrm>
+          <a:prstGeom prst="leftRightArrow">
+            <a:avLst>
+              <a:gd name="adj1" fmla="val 39778"/>
+              <a:gd name="adj2" fmla="val 34669"/>
+            </a:avLst>
+          </a:prstGeom>
+        </p:spPr>
+        <p:style>
+          <a:lnRef idx="2">
+            <a:schemeClr val="accent1">
+              <a:shade val="50000"/>
+            </a:schemeClr>
+          </a:lnRef>
+          <a:fillRef idx="1">
+            <a:schemeClr val="accent1"/>
+          </a:fillRef>
+          <a:effectRef idx="0">
+            <a:schemeClr val="accent1"/>
+          </a:effectRef>
+          <a:fontRef idx="minor">
+            <a:schemeClr val="lt1"/>
+          </a:fontRef>
+        </p:style>
+        <p:txBody>
+          <a:bodyPr rtlCol="0" anchor="ctr"/>
+          <a:lstStyle/>
+          <a:p>
+            <a:pPr algn="ctr"/>
+            <a:endParaRPr lang="ko-KR" altLang="en-US"/>
+          </a:p>
+        </p:txBody>
+      </p:sp>
+      <p:sp>
+        <p:nvSpPr>
+          <p:cNvPr id="16" name="TextBox 15"/>
+          <p:cNvSpPr txBox="1"/>
+          <p:nvPr/>
+        </p:nvSpPr>
+        <p:spPr>
+          <a:xfrm>
+            <a:off x="820188" y="3398497"/>
+            <a:ext cx="10249593" cy="2677656"/>
+          </a:xfrm>
+          <a:prstGeom prst="rect">
+            <a:avLst/>
+          </a:prstGeom>
+          <a:noFill/>
+        </p:spPr>
+        <p:txBody>
+          <a:bodyPr wrap="square" rtlCol="0">
+            <a:spAutoFit/>
+          </a:bodyPr>
+          <a:lstStyle/>
+          <a:p>
+            <a:pPr marL="342900" indent="-342900">
+              <a:buFont typeface="Arial" panose="020B0604020202020204" pitchFamily="34" charset="0"/>
+              <a:buChar char="•"/>
+            </a:pPr>
+            <a:r>
+              <a:rPr lang="en-US" altLang="ko-KR" sz="2400" dirty="0" smtClean="0">
+                <a:latin typeface="나눔고딕" panose="020D0604000000000000" pitchFamily="50" charset="-127"/>
+                <a:ea typeface="나눔고딕" panose="020D0604000000000000" pitchFamily="50" charset="-127"/>
+              </a:rPr>
+              <a:t>Controller </a:t>
+            </a:r>
+          </a:p>
+          <a:p>
+            <a:pPr marL="800100" lvl="1" indent="-342900">
+              <a:lnSpc>
+                <a:spcPct val="150000"/>
+              </a:lnSpc>
+              <a:buFont typeface="Arial" panose="020B0604020202020204" pitchFamily="34" charset="0"/>
+              <a:buChar char="•"/>
+            </a:pPr>
+            <a:r>
+              <a:rPr lang="ko-KR" altLang="en-US" sz="2400" dirty="0" err="1" smtClean="0">
+                <a:latin typeface="나눔고딕" panose="020D0604000000000000" pitchFamily="50" charset="-127"/>
+                <a:ea typeface="나눔고딕" panose="020D0604000000000000" pitchFamily="50" charset="-127"/>
+              </a:rPr>
+              <a:t>서블릿이</a:t>
+            </a:r>
+            <a:r>
+              <a:rPr lang="en-US" altLang="ko-KR" sz="2400" dirty="0" smtClean="0">
+                <a:latin typeface="나눔고딕" panose="020D0604000000000000" pitchFamily="50" charset="-127"/>
+                <a:ea typeface="나눔고딕" panose="020D0604000000000000" pitchFamily="50" charset="-127"/>
+              </a:rPr>
+              <a:t> </a:t>
+            </a:r>
+            <a:r>
+              <a:rPr lang="ko-KR" altLang="en-US" sz="2400" dirty="0" smtClean="0">
+                <a:latin typeface="나눔고딕" panose="020D0604000000000000" pitchFamily="50" charset="-127"/>
+                <a:ea typeface="나눔고딕" panose="020D0604000000000000" pitchFamily="50" charset="-127"/>
+              </a:rPr>
+              <a:t>컨트롤러의 역할</a:t>
+            </a:r>
+            <a:endParaRPr lang="en-US" altLang="ko-KR" sz="2400" dirty="0" smtClean="0">
+              <a:latin typeface="나눔고딕" panose="020D0604000000000000" pitchFamily="50" charset="-127"/>
+              <a:ea typeface="나눔고딕" panose="020D0604000000000000" pitchFamily="50" charset="-127"/>
+            </a:endParaRPr>
+          </a:p>
+          <a:p>
+            <a:pPr marL="800100" lvl="1" indent="-342900">
+              <a:lnSpc>
+                <a:spcPct val="150000"/>
+              </a:lnSpc>
+              <a:buFont typeface="Arial" panose="020B0604020202020204" pitchFamily="34" charset="0"/>
+              <a:buChar char="•"/>
+            </a:pPr>
+            <a:r>
+              <a:rPr lang="ko-KR" altLang="en-US" sz="2400" dirty="0" smtClean="0">
+                <a:latin typeface="나눔고딕" panose="020D0604000000000000" pitchFamily="50" charset="-127"/>
+                <a:ea typeface="나눔고딕" panose="020D0604000000000000" pitchFamily="50" charset="-127"/>
+              </a:rPr>
+              <a:t>클라이언트의 요청 분석</a:t>
+            </a:r>
+            <a:endParaRPr lang="en-US" altLang="ko-KR" sz="2400" dirty="0" smtClean="0">
+              <a:latin typeface="나눔고딕" panose="020D0604000000000000" pitchFamily="50" charset="-127"/>
+              <a:ea typeface="나눔고딕" panose="020D0604000000000000" pitchFamily="50" charset="-127"/>
+            </a:endParaRPr>
+          </a:p>
+          <a:p>
+            <a:pPr marL="800100" lvl="1" indent="-342900">
+              <a:lnSpc>
+                <a:spcPct val="150000"/>
+              </a:lnSpc>
+              <a:buFont typeface="Arial" panose="020B0604020202020204" pitchFamily="34" charset="0"/>
+              <a:buChar char="•"/>
+            </a:pPr>
+            <a:r>
+              <a:rPr lang="ko-KR" altLang="en-US" sz="2400" dirty="0" smtClean="0">
+                <a:latin typeface="나눔고딕" panose="020D0604000000000000" pitchFamily="50" charset="-127"/>
+                <a:ea typeface="나눔고딕" panose="020D0604000000000000" pitchFamily="50" charset="-127"/>
+              </a:rPr>
+              <a:t>요청에 대해 필요한 모델 호출</a:t>
+            </a:r>
+            <a:endParaRPr lang="en-US" altLang="ko-KR" sz="2400" dirty="0" smtClean="0">
+              <a:latin typeface="나눔고딕" panose="020D0604000000000000" pitchFamily="50" charset="-127"/>
+              <a:ea typeface="나눔고딕" panose="020D0604000000000000" pitchFamily="50" charset="-127"/>
+            </a:endParaRPr>
+          </a:p>
+          <a:p>
+            <a:pPr marL="800100" lvl="1" indent="-342900">
+              <a:lnSpc>
+                <a:spcPct val="150000"/>
+              </a:lnSpc>
+              <a:buFont typeface="Arial" panose="020B0604020202020204" pitchFamily="34" charset="0"/>
+              <a:buChar char="•"/>
+            </a:pPr>
+            <a:r>
+              <a:rPr lang="en-US" altLang="ko-KR" sz="2400" dirty="0" smtClean="0">
+                <a:latin typeface="나눔고딕" panose="020D0604000000000000" pitchFamily="50" charset="-127"/>
+                <a:ea typeface="나눔고딕" panose="020D0604000000000000" pitchFamily="50" charset="-127"/>
+              </a:rPr>
+              <a:t>Model</a:t>
+            </a:r>
+            <a:r>
+              <a:rPr lang="ko-KR" altLang="en-US" sz="2400" dirty="0" smtClean="0">
+                <a:latin typeface="나눔고딕" panose="020D0604000000000000" pitchFamily="50" charset="-127"/>
+                <a:ea typeface="나눔고딕" panose="020D0604000000000000" pitchFamily="50" charset="-127"/>
+              </a:rPr>
+              <a:t>에서 처리한 결과를 보여주기 위한 </a:t>
+            </a:r>
+            <a:r>
+              <a:rPr lang="en-US" altLang="ko-KR" sz="2400" dirty="0" smtClean="0">
+                <a:latin typeface="나눔고딕" panose="020D0604000000000000" pitchFamily="50" charset="-127"/>
+                <a:ea typeface="나눔고딕" panose="020D0604000000000000" pitchFamily="50" charset="-127"/>
+              </a:rPr>
+              <a:t>View</a:t>
+            </a:r>
+            <a:r>
+              <a:rPr lang="ko-KR" altLang="en-US" sz="2400" dirty="0" smtClean="0">
+                <a:latin typeface="나눔고딕" panose="020D0604000000000000" pitchFamily="50" charset="-127"/>
+                <a:ea typeface="나눔고딕" panose="020D0604000000000000" pitchFamily="50" charset="-127"/>
+              </a:rPr>
+              <a:t>를 선택</a:t>
+            </a:r>
+            <a:endParaRPr lang="en-US" altLang="ko-KR" sz="2400" dirty="0" smtClean="0">
+              <a:latin typeface="나눔고딕" panose="020D0604000000000000" pitchFamily="50" charset="-127"/>
+              <a:ea typeface="나눔고딕" panose="020D0604000000000000" pitchFamily="50" charset="-127"/>
+            </a:endParaRPr>
+          </a:p>
+        </p:txBody>
+      </p:sp>
+      <p:sp>
+        <p:nvSpPr>
+          <p:cNvPr id="24" name="대각선 방향의 모서리가 둥근 사각형 23"/>
+          <p:cNvSpPr/>
+          <p:nvPr/>
+        </p:nvSpPr>
+        <p:spPr>
+          <a:xfrm>
+            <a:off x="4748646" y="2353484"/>
+            <a:ext cx="1612321" cy="617623"/>
+          </a:xfrm>
+          <a:prstGeom prst="round2DiagRect">
+            <a:avLst/>
+          </a:prstGeom>
+          <a:ln>
+            <a:noFill/>
+          </a:ln>
+        </p:spPr>
+        <p:style>
+          <a:lnRef idx="2">
+            <a:schemeClr val="accent1">
+              <a:shade val="50000"/>
+            </a:schemeClr>
+          </a:lnRef>
+          <a:fillRef idx="1">
+            <a:schemeClr val="accent1"/>
+          </a:fillRef>
+          <a:effectRef idx="0">
+            <a:schemeClr val="accent1"/>
+          </a:effectRef>
+          <a:fontRef idx="minor">
+            <a:schemeClr val="lt1"/>
+          </a:fontRef>
+        </p:style>
+        <p:txBody>
+          <a:bodyPr rtlCol="0" anchor="ctr"/>
+          <a:lstStyle/>
+          <a:p>
+            <a:pPr algn="ctr"/>
+            <a:r>
+              <a:rPr lang="en-US" altLang="ko-KR" dirty="0" smtClean="0"/>
+              <a:t>View(JSP)</a:t>
+            </a:r>
+          </a:p>
+        </p:txBody>
+      </p:sp>
+      <p:sp>
+        <p:nvSpPr>
+          <p:cNvPr id="25" name="직사각형 24"/>
+          <p:cNvSpPr/>
+          <p:nvPr/>
+        </p:nvSpPr>
+        <p:spPr>
+          <a:xfrm>
+            <a:off x="7338406" y="816446"/>
+            <a:ext cx="1645920" cy="644603"/>
+          </a:xfrm>
+          <a:prstGeom prst="rect">
+            <a:avLst/>
+          </a:prstGeom>
+        </p:spPr>
+        <p:style>
+          <a:lnRef idx="2">
+            <a:schemeClr val="accent1">
+              <a:shade val="50000"/>
+            </a:schemeClr>
+          </a:lnRef>
+          <a:fillRef idx="1">
+            <a:schemeClr val="accent1"/>
+          </a:fillRef>
+          <a:effectRef idx="0">
+            <a:schemeClr val="accent1"/>
+          </a:effectRef>
+          <a:fontRef idx="minor">
+            <a:schemeClr val="lt1"/>
+          </a:fontRef>
+        </p:style>
+        <p:txBody>
+          <a:bodyPr rtlCol="0" anchor="ctr"/>
+          <a:lstStyle/>
+          <a:p>
+            <a:pPr algn="ctr"/>
+            <a:r>
+              <a:rPr lang="en-US" altLang="ko-KR" dirty="0" smtClean="0"/>
+              <a:t>Model</a:t>
+            </a:r>
+          </a:p>
+          <a:p>
+            <a:pPr algn="ctr"/>
+            <a:r>
+              <a:rPr lang="en-US" altLang="ko-KR" dirty="0" smtClean="0"/>
+              <a:t>(DAO)</a:t>
+            </a:r>
+            <a:endParaRPr lang="ko-KR" altLang="en-US" dirty="0"/>
+          </a:p>
+        </p:txBody>
+      </p:sp>
+      <p:sp>
+        <p:nvSpPr>
+          <p:cNvPr id="26" name="직사각형 25"/>
+          <p:cNvSpPr/>
+          <p:nvPr/>
+        </p:nvSpPr>
+        <p:spPr>
+          <a:xfrm>
+            <a:off x="4715047" y="816446"/>
+            <a:ext cx="1645920" cy="631577"/>
+          </a:xfrm>
+          <a:prstGeom prst="rect">
+            <a:avLst/>
+          </a:prstGeom>
+        </p:spPr>
+        <p:style>
+          <a:lnRef idx="2">
+            <a:schemeClr val="accent1">
+              <a:shade val="50000"/>
+            </a:schemeClr>
+          </a:lnRef>
+          <a:fillRef idx="1">
+            <a:schemeClr val="accent1"/>
+          </a:fillRef>
+          <a:effectRef idx="0">
+            <a:schemeClr val="accent1"/>
+          </a:effectRef>
+          <a:fontRef idx="minor">
+            <a:schemeClr val="lt1"/>
+          </a:fontRef>
+        </p:style>
+        <p:txBody>
+          <a:bodyPr rtlCol="0" anchor="ctr"/>
+          <a:lstStyle/>
+          <a:p>
+            <a:pPr algn="ctr"/>
+            <a:r>
+              <a:rPr lang="en-US" altLang="ko-KR" dirty="0" smtClean="0"/>
+              <a:t>Controller</a:t>
+            </a:r>
+          </a:p>
+          <a:p>
+            <a:pPr algn="ctr"/>
+            <a:r>
+              <a:rPr lang="en-US" altLang="ko-KR" dirty="0" smtClean="0"/>
+              <a:t>(Servlet)</a:t>
+            </a:r>
+            <a:endParaRPr lang="ko-KR" altLang="en-US" dirty="0"/>
+          </a:p>
+        </p:txBody>
+      </p:sp>
       <p:cxnSp>
         <p:nvCxnSpPr>
-          <p:cNvPr id="19" name="직선 화살표 연결선 18"/>
-          <p:cNvCxnSpPr>
-            <a:endCxn id="11" idx="2"/>
-          </p:cNvCxnSpPr>
+          <p:cNvPr id="18" name="직선 화살표 연결선 17"/>
+          <p:cNvCxnSpPr/>
           <p:nvPr/>
         </p:nvCxnSpPr>
         <p:spPr>
-          <a:xfrm>
-            <a:off x="3073099" y="2493818"/>
-            <a:ext cx="1675547" cy="168478"/>
+          <a:xfrm flipH="1" flipV="1">
+            <a:off x="3004827" y="2353484"/>
+            <a:ext cx="1743819" cy="308812"/>
           </a:xfrm>
           <a:prstGeom prst="straightConnector1">
             <a:avLst/>
@@ -7445,348 +7781,6 @@
           </a:fontRef>
         </p:style>
       </p:cxnSp>
-      <p:sp>
-        <p:nvSpPr>
-          <p:cNvPr id="21" name="왼쪽/오른쪽 화살표 20"/>
-          <p:cNvSpPr/>
-          <p:nvPr/>
-        </p:nvSpPr>
-        <p:spPr>
-          <a:xfrm rot="5400000">
-            <a:off x="5158177" y="1784610"/>
-            <a:ext cx="537559" cy="325315"/>
-          </a:xfrm>
-          <a:prstGeom prst="leftRightArrow">
-            <a:avLst>
-              <a:gd name="adj1" fmla="val 39778"/>
-              <a:gd name="adj2" fmla="val 34669"/>
-            </a:avLst>
-          </a:prstGeom>
-        </p:spPr>
-        <p:style>
-          <a:lnRef idx="2">
-            <a:schemeClr val="accent1">
-              <a:shade val="50000"/>
-            </a:schemeClr>
-          </a:lnRef>
-          <a:fillRef idx="1">
-            <a:schemeClr val="accent1"/>
-          </a:fillRef>
-          <a:effectRef idx="0">
-            <a:schemeClr val="accent1"/>
-          </a:effectRef>
-          <a:fontRef idx="minor">
-            <a:schemeClr val="lt1"/>
-          </a:fontRef>
-        </p:style>
-        <p:txBody>
-          <a:bodyPr rtlCol="0" anchor="ctr"/>
-          <a:lstStyle/>
-          <a:p>
-            <a:pPr algn="ctr"/>
-            <a:endParaRPr lang="ko-KR" altLang="en-US"/>
-          </a:p>
-        </p:txBody>
-      </p:sp>
-      <p:sp>
-        <p:nvSpPr>
-          <p:cNvPr id="16" name="TextBox 15"/>
-          <p:cNvSpPr txBox="1"/>
-          <p:nvPr/>
-        </p:nvSpPr>
-        <p:spPr>
-          <a:xfrm>
-            <a:off x="820188" y="3398497"/>
-            <a:ext cx="10249593" cy="2677656"/>
-          </a:xfrm>
-          <a:prstGeom prst="rect">
-            <a:avLst/>
-          </a:prstGeom>
-          <a:noFill/>
-        </p:spPr>
-        <p:txBody>
-          <a:bodyPr wrap="square" rtlCol="0">
-            <a:spAutoFit/>
-          </a:bodyPr>
-          <a:lstStyle/>
-          <a:p>
-            <a:pPr marL="342900" indent="-342900">
-              <a:buFont typeface="Arial" panose="020B0604020202020204" pitchFamily="34" charset="0"/>
-              <a:buChar char="•"/>
-            </a:pPr>
-            <a:r>
-              <a:rPr lang="en-US" altLang="ko-KR" sz="2400" dirty="0" smtClean="0">
-                <a:latin typeface="나눔고딕" panose="020D0604000000000000" pitchFamily="50" charset="-127"/>
-                <a:ea typeface="나눔고딕" panose="020D0604000000000000" pitchFamily="50" charset="-127"/>
-              </a:rPr>
-              <a:t>Controller </a:t>
-            </a:r>
-          </a:p>
-          <a:p>
-            <a:pPr marL="800100" lvl="1" indent="-342900">
-              <a:lnSpc>
-                <a:spcPct val="150000"/>
-              </a:lnSpc>
-              <a:buFont typeface="Arial" panose="020B0604020202020204" pitchFamily="34" charset="0"/>
-              <a:buChar char="•"/>
-            </a:pPr>
-            <a:r>
-              <a:rPr lang="ko-KR" altLang="en-US" sz="2400" dirty="0" err="1" smtClean="0">
-                <a:latin typeface="나눔고딕" panose="020D0604000000000000" pitchFamily="50" charset="-127"/>
-                <a:ea typeface="나눔고딕" panose="020D0604000000000000" pitchFamily="50" charset="-127"/>
-              </a:rPr>
-              <a:t>서블릿이</a:t>
-            </a:r>
-            <a:r>
-              <a:rPr lang="en-US" altLang="ko-KR" sz="2400" dirty="0" smtClean="0">
-                <a:latin typeface="나눔고딕" panose="020D0604000000000000" pitchFamily="50" charset="-127"/>
-                <a:ea typeface="나눔고딕" panose="020D0604000000000000" pitchFamily="50" charset="-127"/>
-              </a:rPr>
-              <a:t> </a:t>
-            </a:r>
-            <a:r>
-              <a:rPr lang="ko-KR" altLang="en-US" sz="2400" dirty="0" smtClean="0">
-                <a:latin typeface="나눔고딕" panose="020D0604000000000000" pitchFamily="50" charset="-127"/>
-                <a:ea typeface="나눔고딕" panose="020D0604000000000000" pitchFamily="50" charset="-127"/>
-              </a:rPr>
-              <a:t>컨트롤러의 역할</a:t>
-            </a:r>
-            <a:endParaRPr lang="en-US" altLang="ko-KR" sz="2400" dirty="0" smtClean="0">
-              <a:latin typeface="나눔고딕" panose="020D0604000000000000" pitchFamily="50" charset="-127"/>
-              <a:ea typeface="나눔고딕" panose="020D0604000000000000" pitchFamily="50" charset="-127"/>
-            </a:endParaRPr>
-          </a:p>
-          <a:p>
-            <a:pPr marL="800100" lvl="1" indent="-342900">
-              <a:lnSpc>
-                <a:spcPct val="150000"/>
-              </a:lnSpc>
-              <a:buFont typeface="Arial" panose="020B0604020202020204" pitchFamily="34" charset="0"/>
-              <a:buChar char="•"/>
-            </a:pPr>
-            <a:r>
-              <a:rPr lang="ko-KR" altLang="en-US" sz="2400" dirty="0" smtClean="0">
-                <a:latin typeface="나눔고딕" panose="020D0604000000000000" pitchFamily="50" charset="-127"/>
-                <a:ea typeface="나눔고딕" panose="020D0604000000000000" pitchFamily="50" charset="-127"/>
-              </a:rPr>
-              <a:t>클라이언트의 요청 분석</a:t>
-            </a:r>
-            <a:endParaRPr lang="en-US" altLang="ko-KR" sz="2400" dirty="0" smtClean="0">
-              <a:latin typeface="나눔고딕" panose="020D0604000000000000" pitchFamily="50" charset="-127"/>
-              <a:ea typeface="나눔고딕" panose="020D0604000000000000" pitchFamily="50" charset="-127"/>
-            </a:endParaRPr>
-          </a:p>
-          <a:p>
-            <a:pPr marL="800100" lvl="1" indent="-342900">
-              <a:lnSpc>
-                <a:spcPct val="150000"/>
-              </a:lnSpc>
-              <a:buFont typeface="Arial" panose="020B0604020202020204" pitchFamily="34" charset="0"/>
-              <a:buChar char="•"/>
-            </a:pPr>
-            <a:r>
-              <a:rPr lang="ko-KR" altLang="en-US" sz="2400" dirty="0" smtClean="0">
-                <a:latin typeface="나눔고딕" panose="020D0604000000000000" pitchFamily="50" charset="-127"/>
-                <a:ea typeface="나눔고딕" panose="020D0604000000000000" pitchFamily="50" charset="-127"/>
-              </a:rPr>
-              <a:t>요청에 대해 필요한 모델 호출</a:t>
-            </a:r>
-            <a:endParaRPr lang="en-US" altLang="ko-KR" sz="2400" dirty="0" smtClean="0">
-              <a:latin typeface="나눔고딕" panose="020D0604000000000000" pitchFamily="50" charset="-127"/>
-              <a:ea typeface="나눔고딕" panose="020D0604000000000000" pitchFamily="50" charset="-127"/>
-            </a:endParaRPr>
-          </a:p>
-          <a:p>
-            <a:pPr marL="800100" lvl="1" indent="-342900">
-              <a:lnSpc>
-                <a:spcPct val="150000"/>
-              </a:lnSpc>
-              <a:buFont typeface="Arial" panose="020B0604020202020204" pitchFamily="34" charset="0"/>
-              <a:buChar char="•"/>
-            </a:pPr>
-            <a:r>
-              <a:rPr lang="en-US" altLang="ko-KR" sz="2400" dirty="0" smtClean="0">
-                <a:latin typeface="나눔고딕" panose="020D0604000000000000" pitchFamily="50" charset="-127"/>
-                <a:ea typeface="나눔고딕" panose="020D0604000000000000" pitchFamily="50" charset="-127"/>
-              </a:rPr>
-              <a:t>Model</a:t>
-            </a:r>
-            <a:r>
-              <a:rPr lang="ko-KR" altLang="en-US" sz="2400" dirty="0" smtClean="0">
-                <a:latin typeface="나눔고딕" panose="020D0604000000000000" pitchFamily="50" charset="-127"/>
-                <a:ea typeface="나눔고딕" panose="020D0604000000000000" pitchFamily="50" charset="-127"/>
-              </a:rPr>
-              <a:t>에서 처리한 결과를 보여주기 위한 </a:t>
-            </a:r>
-            <a:r>
-              <a:rPr lang="en-US" altLang="ko-KR" sz="2400" dirty="0" smtClean="0">
-                <a:latin typeface="나눔고딕" panose="020D0604000000000000" pitchFamily="50" charset="-127"/>
-                <a:ea typeface="나눔고딕" panose="020D0604000000000000" pitchFamily="50" charset="-127"/>
-              </a:rPr>
-              <a:t>View</a:t>
-            </a:r>
-            <a:r>
-              <a:rPr lang="ko-KR" altLang="en-US" sz="2400" dirty="0" smtClean="0">
-                <a:latin typeface="나눔고딕" panose="020D0604000000000000" pitchFamily="50" charset="-127"/>
-                <a:ea typeface="나눔고딕" panose="020D0604000000000000" pitchFamily="50" charset="-127"/>
-              </a:rPr>
-              <a:t>를 선택</a:t>
-            </a:r>
-            <a:endParaRPr lang="en-US" altLang="ko-KR" sz="2400" dirty="0" smtClean="0">
-              <a:latin typeface="나눔고딕" panose="020D0604000000000000" pitchFamily="50" charset="-127"/>
-              <a:ea typeface="나눔고딕" panose="020D0604000000000000" pitchFamily="50" charset="-127"/>
-            </a:endParaRPr>
-          </a:p>
-        </p:txBody>
-      </p:sp>
-      <p:sp>
-        <p:nvSpPr>
-          <p:cNvPr id="24" name="대각선 방향의 모서리가 둥근 사각형 23"/>
-          <p:cNvSpPr/>
-          <p:nvPr/>
-        </p:nvSpPr>
-        <p:spPr>
-          <a:xfrm>
-            <a:off x="4748646" y="2353484"/>
-            <a:ext cx="1612321" cy="617623"/>
-          </a:xfrm>
-          <a:prstGeom prst="round2DiagRect">
-            <a:avLst/>
-          </a:prstGeom>
-          <a:ln>
-            <a:noFill/>
-          </a:ln>
-        </p:spPr>
-        <p:style>
-          <a:lnRef idx="2">
-            <a:schemeClr val="accent1">
-              <a:shade val="50000"/>
-            </a:schemeClr>
-          </a:lnRef>
-          <a:fillRef idx="1">
-            <a:schemeClr val="accent1"/>
-          </a:fillRef>
-          <a:effectRef idx="0">
-            <a:schemeClr val="accent1"/>
-          </a:effectRef>
-          <a:fontRef idx="minor">
-            <a:schemeClr val="lt1"/>
-          </a:fontRef>
-        </p:style>
-        <p:txBody>
-          <a:bodyPr rtlCol="0" anchor="ctr"/>
-          <a:lstStyle/>
-          <a:p>
-            <a:pPr algn="ctr"/>
-            <a:r>
-              <a:rPr lang="en-US" altLang="ko-KR" dirty="0" smtClean="0"/>
-              <a:t>View(JSP)</a:t>
-            </a:r>
-          </a:p>
-        </p:txBody>
-      </p:sp>
-      <p:sp>
-        <p:nvSpPr>
-          <p:cNvPr id="25" name="직사각형 24"/>
-          <p:cNvSpPr/>
-          <p:nvPr/>
-        </p:nvSpPr>
-        <p:spPr>
-          <a:xfrm>
-            <a:off x="7338406" y="816446"/>
-            <a:ext cx="1645920" cy="644603"/>
-          </a:xfrm>
-          <a:prstGeom prst="rect">
-            <a:avLst/>
-          </a:prstGeom>
-        </p:spPr>
-        <p:style>
-          <a:lnRef idx="2">
-            <a:schemeClr val="accent1">
-              <a:shade val="50000"/>
-            </a:schemeClr>
-          </a:lnRef>
-          <a:fillRef idx="1">
-            <a:schemeClr val="accent1"/>
-          </a:fillRef>
-          <a:effectRef idx="0">
-            <a:schemeClr val="accent1"/>
-          </a:effectRef>
-          <a:fontRef idx="minor">
-            <a:schemeClr val="lt1"/>
-          </a:fontRef>
-        </p:style>
-        <p:txBody>
-          <a:bodyPr rtlCol="0" anchor="ctr"/>
-          <a:lstStyle/>
-          <a:p>
-            <a:pPr algn="ctr"/>
-            <a:r>
-              <a:rPr lang="en-US" altLang="ko-KR" dirty="0" smtClean="0"/>
-              <a:t>Model</a:t>
-            </a:r>
-          </a:p>
-          <a:p>
-            <a:pPr algn="ctr"/>
-            <a:r>
-              <a:rPr lang="en-US" altLang="ko-KR" dirty="0" smtClean="0"/>
-              <a:t>(DAO)</a:t>
-            </a:r>
-            <a:endParaRPr lang="ko-KR" altLang="en-US" dirty="0"/>
-          </a:p>
-        </p:txBody>
-      </p:sp>
-      <p:sp>
-        <p:nvSpPr>
-          <p:cNvPr id="26" name="직사각형 25"/>
-          <p:cNvSpPr/>
-          <p:nvPr/>
-        </p:nvSpPr>
-        <p:spPr>
-          <a:xfrm>
-            <a:off x="4715047" y="816446"/>
-            <a:ext cx="1645920" cy="631577"/>
-          </a:xfrm>
-          <a:prstGeom prst="rect">
-            <a:avLst/>
-          </a:prstGeom>
-        </p:spPr>
-        <p:style>
-          <a:lnRef idx="2">
-            <a:schemeClr val="accent1">
-              <a:shade val="50000"/>
-            </a:schemeClr>
-          </a:lnRef>
-          <a:fillRef idx="1">
-            <a:schemeClr val="accent1"/>
-          </a:fillRef>
-          <a:effectRef idx="0">
-            <a:schemeClr val="accent1"/>
-          </a:effectRef>
-          <a:fontRef idx="minor">
-            <a:schemeClr val="lt1"/>
-          </a:fontRef>
-        </p:style>
-        <p:txBody>
-          <a:bodyPr rtlCol="0" anchor="ctr"/>
-          <a:lstStyle/>
-          <a:p>
-            <a:pPr algn="ctr"/>
-            <a:r>
-              <a:rPr lang="en-US" altLang="ko-KR" dirty="0" smtClean="0"/>
-              <a:t>Controller</a:t>
-            </a:r>
-          </a:p>
-          <a:p>
-            <a:pPr algn="ctr"/>
-            <a:r>
-              <a:rPr lang="en-US" altLang="ko-KR" dirty="0" smtClean="0"/>
-              <a:t>(Servlet)</a:t>
-            </a:r>
-            <a:endParaRPr lang="ko-KR" altLang="en-US" dirty="0"/>
-          </a:p>
-        </p:txBody>
-      </p:sp>
     </p:spTree>
     <p:extLst>
       <p:ext uri="{BB962C8B-B14F-4D97-AF65-F5344CB8AC3E}">
@@ -8144,18 +8138,353 @@
           </a:fontRef>
         </p:style>
       </p:cxnSp>
+      <p:sp>
+        <p:nvSpPr>
+          <p:cNvPr id="21" name="왼쪽/오른쪽 화살표 20"/>
+          <p:cNvSpPr/>
+          <p:nvPr/>
+        </p:nvSpPr>
+        <p:spPr>
+          <a:xfrm rot="5400000">
+            <a:off x="5158177" y="1784610"/>
+            <a:ext cx="537559" cy="325315"/>
+          </a:xfrm>
+          <a:prstGeom prst="leftRightArrow">
+            <a:avLst>
+              <a:gd name="adj1" fmla="val 39778"/>
+              <a:gd name="adj2" fmla="val 34669"/>
+            </a:avLst>
+          </a:prstGeom>
+        </p:spPr>
+        <p:style>
+          <a:lnRef idx="2">
+            <a:schemeClr val="accent1">
+              <a:shade val="50000"/>
+            </a:schemeClr>
+          </a:lnRef>
+          <a:fillRef idx="1">
+            <a:schemeClr val="accent1"/>
+          </a:fillRef>
+          <a:effectRef idx="0">
+            <a:schemeClr val="accent1"/>
+          </a:effectRef>
+          <a:fontRef idx="minor">
+            <a:schemeClr val="lt1"/>
+          </a:fontRef>
+        </p:style>
+        <p:txBody>
+          <a:bodyPr rtlCol="0" anchor="ctr"/>
+          <a:lstStyle/>
+          <a:p>
+            <a:pPr algn="ctr"/>
+            <a:endParaRPr lang="ko-KR" altLang="en-US"/>
+          </a:p>
+        </p:txBody>
+      </p:sp>
+      <p:sp>
+        <p:nvSpPr>
+          <p:cNvPr id="16" name="TextBox 15"/>
+          <p:cNvSpPr txBox="1"/>
+          <p:nvPr/>
+        </p:nvSpPr>
+        <p:spPr>
+          <a:xfrm>
+            <a:off x="745372" y="3429910"/>
+            <a:ext cx="10249593" cy="1938992"/>
+          </a:xfrm>
+          <a:prstGeom prst="rect">
+            <a:avLst/>
+          </a:prstGeom>
+          <a:noFill/>
+        </p:spPr>
+        <p:txBody>
+          <a:bodyPr wrap="square" rtlCol="0">
+            <a:spAutoFit/>
+          </a:bodyPr>
+          <a:lstStyle/>
+          <a:p>
+            <a:pPr marL="342900" indent="-342900">
+              <a:buFont typeface="Arial" panose="020B0604020202020204" pitchFamily="34" charset="0"/>
+              <a:buChar char="•"/>
+            </a:pPr>
+            <a:r>
+              <a:rPr lang="en-US" altLang="ko-KR" sz="2400" dirty="0" smtClean="0">
+                <a:latin typeface="나눔고딕" panose="020D0604000000000000" pitchFamily="50" charset="-127"/>
+                <a:ea typeface="나눔고딕" panose="020D0604000000000000" pitchFamily="50" charset="-127"/>
+              </a:rPr>
+              <a:t>Model</a:t>
+            </a:r>
+          </a:p>
+          <a:p>
+            <a:pPr marL="800100" lvl="1" indent="-342900">
+              <a:buFont typeface="Arial" panose="020B0604020202020204" pitchFamily="34" charset="0"/>
+              <a:buChar char="•"/>
+            </a:pPr>
+            <a:endParaRPr lang="en-US" altLang="ko-KR" sz="2400" dirty="0" smtClean="0">
+              <a:latin typeface="나눔고딕" panose="020D0604000000000000" pitchFamily="50" charset="-127"/>
+              <a:ea typeface="나눔고딕" panose="020D0604000000000000" pitchFamily="50" charset="-127"/>
+            </a:endParaRPr>
+          </a:p>
+          <a:p>
+            <a:pPr marL="800100" lvl="1" indent="-342900">
+              <a:buFont typeface="Arial" panose="020B0604020202020204" pitchFamily="34" charset="0"/>
+              <a:buChar char="•"/>
+            </a:pPr>
+            <a:r>
+              <a:rPr lang="ko-KR" altLang="en-US" sz="2400" dirty="0" smtClean="0">
+                <a:latin typeface="나눔고딕" panose="020D0604000000000000" pitchFamily="50" charset="-127"/>
+                <a:ea typeface="나눔고딕" panose="020D0604000000000000" pitchFamily="50" charset="-127"/>
+              </a:rPr>
+              <a:t>데이터베이스</a:t>
+            </a:r>
+            <a:r>
+              <a:rPr lang="en-US" altLang="ko-KR" sz="2400" dirty="0" smtClean="0">
+                <a:latin typeface="나눔고딕" panose="020D0604000000000000" pitchFamily="50" charset="-127"/>
+                <a:ea typeface="나눔고딕" panose="020D0604000000000000" pitchFamily="50" charset="-127"/>
+              </a:rPr>
+              <a:t> </a:t>
+            </a:r>
+            <a:r>
+              <a:rPr lang="ko-KR" altLang="en-US" sz="2400" dirty="0" smtClean="0">
+                <a:latin typeface="나눔고딕" panose="020D0604000000000000" pitchFamily="50" charset="-127"/>
+                <a:ea typeface="나눔고딕" panose="020D0604000000000000" pitchFamily="50" charset="-127"/>
+              </a:rPr>
+              <a:t>연동과 같은 비즈니스 </a:t>
+            </a:r>
+            <a:r>
+              <a:rPr lang="ko-KR" altLang="en-US" sz="2400" dirty="0" err="1" smtClean="0">
+                <a:latin typeface="나눔고딕" panose="020D0604000000000000" pitchFamily="50" charset="-127"/>
+                <a:ea typeface="나눔고딕" panose="020D0604000000000000" pitchFamily="50" charset="-127"/>
+              </a:rPr>
+              <a:t>로직을</a:t>
+            </a:r>
+            <a:r>
+              <a:rPr lang="ko-KR" altLang="en-US" sz="2400" dirty="0" smtClean="0">
+                <a:latin typeface="나눔고딕" panose="020D0604000000000000" pitchFamily="50" charset="-127"/>
+                <a:ea typeface="나눔고딕" panose="020D0604000000000000" pitchFamily="50" charset="-127"/>
+              </a:rPr>
+              <a:t> 수행</a:t>
+            </a:r>
+            <a:endParaRPr lang="en-US" altLang="ko-KR" sz="2400" dirty="0" smtClean="0">
+              <a:latin typeface="나눔고딕" panose="020D0604000000000000" pitchFamily="50" charset="-127"/>
+              <a:ea typeface="나눔고딕" panose="020D0604000000000000" pitchFamily="50" charset="-127"/>
+            </a:endParaRPr>
+          </a:p>
+          <a:p>
+            <a:pPr marL="800100" lvl="1" indent="-342900">
+              <a:buFont typeface="Arial" panose="020B0604020202020204" pitchFamily="34" charset="0"/>
+              <a:buChar char="•"/>
+            </a:pPr>
+            <a:endParaRPr lang="en-US" altLang="ko-KR" sz="2400" dirty="0" smtClean="0">
+              <a:latin typeface="나눔고딕" panose="020D0604000000000000" pitchFamily="50" charset="-127"/>
+              <a:ea typeface="나눔고딕" panose="020D0604000000000000" pitchFamily="50" charset="-127"/>
+            </a:endParaRPr>
+          </a:p>
+          <a:p>
+            <a:pPr marL="800100" lvl="1" indent="-342900">
+              <a:buFont typeface="Arial" panose="020B0604020202020204" pitchFamily="34" charset="0"/>
+              <a:buChar char="•"/>
+            </a:pPr>
+            <a:r>
+              <a:rPr lang="ko-KR" altLang="en-US" sz="2400" dirty="0" smtClean="0">
+                <a:latin typeface="나눔고딕" panose="020D0604000000000000" pitchFamily="50" charset="-127"/>
+                <a:ea typeface="나눔고딕" panose="020D0604000000000000" pitchFamily="50" charset="-127"/>
+              </a:rPr>
+              <a:t>일반적으로 </a:t>
+            </a:r>
+            <a:r>
+              <a:rPr lang="en-US" altLang="ko-KR" sz="2400" dirty="0" smtClean="0">
+                <a:latin typeface="나눔고딕" panose="020D0604000000000000" pitchFamily="50" charset="-127"/>
+                <a:ea typeface="나눔고딕" panose="020D0604000000000000" pitchFamily="50" charset="-127"/>
+              </a:rPr>
+              <a:t>DAO</a:t>
+            </a:r>
+            <a:r>
+              <a:rPr lang="ko-KR" altLang="en-US" sz="2400" dirty="0" smtClean="0">
+                <a:latin typeface="나눔고딕" panose="020D0604000000000000" pitchFamily="50" charset="-127"/>
+                <a:ea typeface="나눔고딕" panose="020D0604000000000000" pitchFamily="50" charset="-127"/>
+              </a:rPr>
+              <a:t>와 </a:t>
+            </a:r>
+            <a:r>
+              <a:rPr lang="en-US" altLang="ko-KR" sz="2400" dirty="0" smtClean="0">
+                <a:latin typeface="나눔고딕" panose="020D0604000000000000" pitchFamily="50" charset="-127"/>
+                <a:ea typeface="나눔고딕" panose="020D0604000000000000" pitchFamily="50" charset="-127"/>
+              </a:rPr>
+              <a:t>VO</a:t>
+            </a:r>
+            <a:r>
+              <a:rPr lang="ko-KR" altLang="en-US" sz="2400" dirty="0" smtClean="0">
+                <a:latin typeface="나눔고딕" panose="020D0604000000000000" pitchFamily="50" charset="-127"/>
+                <a:ea typeface="나눔고딕" panose="020D0604000000000000" pitchFamily="50" charset="-127"/>
+              </a:rPr>
+              <a:t>로 이루어져 있음</a:t>
+            </a:r>
+            <a:endParaRPr lang="en-US" altLang="ko-KR" sz="2400" dirty="0" smtClean="0">
+              <a:latin typeface="나눔고딕" panose="020D0604000000000000" pitchFamily="50" charset="-127"/>
+              <a:ea typeface="나눔고딕" panose="020D0604000000000000" pitchFamily="50" charset="-127"/>
+            </a:endParaRPr>
+          </a:p>
+        </p:txBody>
+      </p:sp>
+      <p:sp>
+        <p:nvSpPr>
+          <p:cNvPr id="20" name="대각선 방향의 모서리가 둥근 사각형 19"/>
+          <p:cNvSpPr/>
+          <p:nvPr/>
+        </p:nvSpPr>
+        <p:spPr>
+          <a:xfrm>
+            <a:off x="4748646" y="2353484"/>
+            <a:ext cx="1612321" cy="617623"/>
+          </a:xfrm>
+          <a:prstGeom prst="round2DiagRect">
+            <a:avLst/>
+          </a:prstGeom>
+          <a:ln>
+            <a:noFill/>
+          </a:ln>
+        </p:spPr>
+        <p:style>
+          <a:lnRef idx="2">
+            <a:schemeClr val="accent1">
+              <a:shade val="50000"/>
+            </a:schemeClr>
+          </a:lnRef>
+          <a:fillRef idx="1">
+            <a:schemeClr val="accent1"/>
+          </a:fillRef>
+          <a:effectRef idx="0">
+            <a:schemeClr val="accent1"/>
+          </a:effectRef>
+          <a:fontRef idx="minor">
+            <a:schemeClr val="lt1"/>
+          </a:fontRef>
+        </p:style>
+        <p:txBody>
+          <a:bodyPr rtlCol="0" anchor="ctr"/>
+          <a:lstStyle/>
+          <a:p>
+            <a:pPr algn="ctr"/>
+            <a:r>
+              <a:rPr lang="en-US" altLang="ko-KR" dirty="0" smtClean="0"/>
+              <a:t>View(JSP)</a:t>
+            </a:r>
+          </a:p>
+        </p:txBody>
+      </p:sp>
+      <p:sp>
+        <p:nvSpPr>
+          <p:cNvPr id="22" name="직사각형 21"/>
+          <p:cNvSpPr/>
+          <p:nvPr/>
+        </p:nvSpPr>
+        <p:spPr>
+          <a:xfrm>
+            <a:off x="7338406" y="816446"/>
+            <a:ext cx="1645920" cy="644603"/>
+          </a:xfrm>
+          <a:prstGeom prst="rect">
+            <a:avLst/>
+          </a:prstGeom>
+        </p:spPr>
+        <p:style>
+          <a:lnRef idx="2">
+            <a:schemeClr val="accent1">
+              <a:shade val="50000"/>
+            </a:schemeClr>
+          </a:lnRef>
+          <a:fillRef idx="1">
+            <a:schemeClr val="accent1"/>
+          </a:fillRef>
+          <a:effectRef idx="0">
+            <a:schemeClr val="accent1"/>
+          </a:effectRef>
+          <a:fontRef idx="minor">
+            <a:schemeClr val="lt1"/>
+          </a:fontRef>
+        </p:style>
+        <p:txBody>
+          <a:bodyPr rtlCol="0" anchor="ctr"/>
+          <a:lstStyle/>
+          <a:p>
+            <a:pPr algn="ctr"/>
+            <a:r>
+              <a:rPr lang="en-US" altLang="ko-KR" dirty="0" smtClean="0"/>
+              <a:t>Model</a:t>
+            </a:r>
+          </a:p>
+          <a:p>
+            <a:pPr algn="ctr"/>
+            <a:r>
+              <a:rPr lang="en-US" altLang="ko-KR" dirty="0" smtClean="0"/>
+              <a:t>(DAO)</a:t>
+            </a:r>
+            <a:endParaRPr lang="ko-KR" altLang="en-US" dirty="0"/>
+          </a:p>
+        </p:txBody>
+      </p:sp>
+      <p:sp>
+        <p:nvSpPr>
+          <p:cNvPr id="23" name="직사각형 22"/>
+          <p:cNvSpPr/>
+          <p:nvPr/>
+        </p:nvSpPr>
+        <p:spPr>
+          <a:xfrm>
+            <a:off x="4715047" y="816446"/>
+            <a:ext cx="1645920" cy="631577"/>
+          </a:xfrm>
+          <a:prstGeom prst="rect">
+            <a:avLst/>
+          </a:prstGeom>
+        </p:spPr>
+        <p:style>
+          <a:lnRef idx="2">
+            <a:schemeClr val="accent1">
+              <a:shade val="50000"/>
+            </a:schemeClr>
+          </a:lnRef>
+          <a:fillRef idx="1">
+            <a:schemeClr val="accent1"/>
+          </a:fillRef>
+          <a:effectRef idx="0">
+            <a:schemeClr val="accent1"/>
+          </a:effectRef>
+          <a:fontRef idx="minor">
+            <a:schemeClr val="lt1"/>
+          </a:fontRef>
+        </p:style>
+        <p:txBody>
+          <a:bodyPr rtlCol="0" anchor="ctr"/>
+          <a:lstStyle/>
+          <a:p>
+            <a:pPr algn="ctr"/>
+            <a:r>
+              <a:rPr lang="en-US" altLang="ko-KR" dirty="0" smtClean="0"/>
+              <a:t>Controller</a:t>
+            </a:r>
+          </a:p>
+          <a:p>
+            <a:pPr algn="ctr"/>
+            <a:r>
+              <a:rPr lang="en-US" altLang="ko-KR" dirty="0" smtClean="0"/>
+              <a:t>(Servlet)</a:t>
+            </a:r>
+            <a:endParaRPr lang="ko-KR" altLang="en-US" dirty="0"/>
+          </a:p>
+        </p:txBody>
+      </p:sp>
       <p:cxnSp>
         <p:nvCxnSpPr>
-          <p:cNvPr id="19" name="직선 화살표 연결선 18"/>
-          <p:cNvCxnSpPr>
-            <a:endCxn id="11" idx="2"/>
-          </p:cNvCxnSpPr>
+          <p:cNvPr id="18" name="직선 화살표 연결선 17"/>
+          <p:cNvCxnSpPr/>
           <p:nvPr/>
         </p:nvCxnSpPr>
         <p:spPr>
-          <a:xfrm>
-            <a:off x="3073099" y="2493818"/>
-            <a:ext cx="1675547" cy="168478"/>
+          <a:xfrm flipH="1" flipV="1">
+            <a:off x="3004827" y="2353484"/>
+            <a:ext cx="1743819" cy="308812"/>
           </a:xfrm>
           <a:prstGeom prst="straightConnector1">
             <a:avLst/>
@@ -8184,343 +8513,6 @@
           </a:fontRef>
         </p:style>
       </p:cxnSp>
-      <p:sp>
-        <p:nvSpPr>
-          <p:cNvPr id="21" name="왼쪽/오른쪽 화살표 20"/>
-          <p:cNvSpPr/>
-          <p:nvPr/>
-        </p:nvSpPr>
-        <p:spPr>
-          <a:xfrm rot="5400000">
-            <a:off x="5158177" y="1784610"/>
-            <a:ext cx="537559" cy="325315"/>
-          </a:xfrm>
-          <a:prstGeom prst="leftRightArrow">
-            <a:avLst>
-              <a:gd name="adj1" fmla="val 39778"/>
-              <a:gd name="adj2" fmla="val 34669"/>
-            </a:avLst>
-          </a:prstGeom>
-        </p:spPr>
-        <p:style>
-          <a:lnRef idx="2">
-            <a:schemeClr val="accent1">
-              <a:shade val="50000"/>
-            </a:schemeClr>
-          </a:lnRef>
-          <a:fillRef idx="1">
-            <a:schemeClr val="accent1"/>
-          </a:fillRef>
-          <a:effectRef idx="0">
-            <a:schemeClr val="accent1"/>
-          </a:effectRef>
-          <a:fontRef idx="minor">
-            <a:schemeClr val="lt1"/>
-          </a:fontRef>
-        </p:style>
-        <p:txBody>
-          <a:bodyPr rtlCol="0" anchor="ctr"/>
-          <a:lstStyle/>
-          <a:p>
-            <a:pPr algn="ctr"/>
-            <a:endParaRPr lang="ko-KR" altLang="en-US"/>
-          </a:p>
-        </p:txBody>
-      </p:sp>
-      <p:sp>
-        <p:nvSpPr>
-          <p:cNvPr id="16" name="TextBox 15"/>
-          <p:cNvSpPr txBox="1"/>
-          <p:nvPr/>
-        </p:nvSpPr>
-        <p:spPr>
-          <a:xfrm>
-            <a:off x="745372" y="3429910"/>
-            <a:ext cx="10249593" cy="1938992"/>
-          </a:xfrm>
-          <a:prstGeom prst="rect">
-            <a:avLst/>
-          </a:prstGeom>
-          <a:noFill/>
-        </p:spPr>
-        <p:txBody>
-          <a:bodyPr wrap="square" rtlCol="0">
-            <a:spAutoFit/>
-          </a:bodyPr>
-          <a:lstStyle/>
-          <a:p>
-            <a:pPr marL="342900" indent="-342900">
-              <a:buFont typeface="Arial" panose="020B0604020202020204" pitchFamily="34" charset="0"/>
-              <a:buChar char="•"/>
-            </a:pPr>
-            <a:r>
-              <a:rPr lang="en-US" altLang="ko-KR" sz="2400" dirty="0" smtClean="0">
-                <a:latin typeface="나눔고딕" panose="020D0604000000000000" pitchFamily="50" charset="-127"/>
-                <a:ea typeface="나눔고딕" panose="020D0604000000000000" pitchFamily="50" charset="-127"/>
-              </a:rPr>
-              <a:t>Model</a:t>
-            </a:r>
-          </a:p>
-          <a:p>
-            <a:pPr marL="800100" lvl="1" indent="-342900">
-              <a:buFont typeface="Arial" panose="020B0604020202020204" pitchFamily="34" charset="0"/>
-              <a:buChar char="•"/>
-            </a:pPr>
-            <a:endParaRPr lang="en-US" altLang="ko-KR" sz="2400" dirty="0" smtClean="0">
-              <a:latin typeface="나눔고딕" panose="020D0604000000000000" pitchFamily="50" charset="-127"/>
-              <a:ea typeface="나눔고딕" panose="020D0604000000000000" pitchFamily="50" charset="-127"/>
-            </a:endParaRPr>
-          </a:p>
-          <a:p>
-            <a:pPr marL="800100" lvl="1" indent="-342900">
-              <a:buFont typeface="Arial" panose="020B0604020202020204" pitchFamily="34" charset="0"/>
-              <a:buChar char="•"/>
-            </a:pPr>
-            <a:r>
-              <a:rPr lang="ko-KR" altLang="en-US" sz="2400" dirty="0" smtClean="0">
-                <a:latin typeface="나눔고딕" panose="020D0604000000000000" pitchFamily="50" charset="-127"/>
-                <a:ea typeface="나눔고딕" panose="020D0604000000000000" pitchFamily="50" charset="-127"/>
-              </a:rPr>
-              <a:t>데이터베이스</a:t>
-            </a:r>
-            <a:r>
-              <a:rPr lang="en-US" altLang="ko-KR" sz="2400" dirty="0" smtClean="0">
-                <a:latin typeface="나눔고딕" panose="020D0604000000000000" pitchFamily="50" charset="-127"/>
-                <a:ea typeface="나눔고딕" panose="020D0604000000000000" pitchFamily="50" charset="-127"/>
-              </a:rPr>
-              <a:t> </a:t>
-            </a:r>
-            <a:r>
-              <a:rPr lang="ko-KR" altLang="en-US" sz="2400" dirty="0" smtClean="0">
-                <a:latin typeface="나눔고딕" panose="020D0604000000000000" pitchFamily="50" charset="-127"/>
-                <a:ea typeface="나눔고딕" panose="020D0604000000000000" pitchFamily="50" charset="-127"/>
-              </a:rPr>
-              <a:t>연동과 같은 비즈니스 </a:t>
-            </a:r>
-            <a:r>
-              <a:rPr lang="ko-KR" altLang="en-US" sz="2400" dirty="0" err="1" smtClean="0">
-                <a:latin typeface="나눔고딕" panose="020D0604000000000000" pitchFamily="50" charset="-127"/>
-                <a:ea typeface="나눔고딕" panose="020D0604000000000000" pitchFamily="50" charset="-127"/>
-              </a:rPr>
-              <a:t>로직을</a:t>
-            </a:r>
-            <a:r>
-              <a:rPr lang="ko-KR" altLang="en-US" sz="2400" dirty="0" smtClean="0">
-                <a:latin typeface="나눔고딕" panose="020D0604000000000000" pitchFamily="50" charset="-127"/>
-                <a:ea typeface="나눔고딕" panose="020D0604000000000000" pitchFamily="50" charset="-127"/>
-              </a:rPr>
-              <a:t> 수행</a:t>
-            </a:r>
-            <a:endParaRPr lang="en-US" altLang="ko-KR" sz="2400" dirty="0" smtClean="0">
-              <a:latin typeface="나눔고딕" panose="020D0604000000000000" pitchFamily="50" charset="-127"/>
-              <a:ea typeface="나눔고딕" panose="020D0604000000000000" pitchFamily="50" charset="-127"/>
-            </a:endParaRPr>
-          </a:p>
-          <a:p>
-            <a:pPr marL="800100" lvl="1" indent="-342900">
-              <a:buFont typeface="Arial" panose="020B0604020202020204" pitchFamily="34" charset="0"/>
-              <a:buChar char="•"/>
-            </a:pPr>
-            <a:endParaRPr lang="en-US" altLang="ko-KR" sz="2400" dirty="0" smtClean="0">
-              <a:latin typeface="나눔고딕" panose="020D0604000000000000" pitchFamily="50" charset="-127"/>
-              <a:ea typeface="나눔고딕" panose="020D0604000000000000" pitchFamily="50" charset="-127"/>
-            </a:endParaRPr>
-          </a:p>
-          <a:p>
-            <a:pPr marL="800100" lvl="1" indent="-342900">
-              <a:buFont typeface="Arial" panose="020B0604020202020204" pitchFamily="34" charset="0"/>
-              <a:buChar char="•"/>
-            </a:pPr>
-            <a:r>
-              <a:rPr lang="ko-KR" altLang="en-US" sz="2400" dirty="0" smtClean="0">
-                <a:latin typeface="나눔고딕" panose="020D0604000000000000" pitchFamily="50" charset="-127"/>
-                <a:ea typeface="나눔고딕" panose="020D0604000000000000" pitchFamily="50" charset="-127"/>
-              </a:rPr>
-              <a:t>일반적으로 </a:t>
-            </a:r>
-            <a:r>
-              <a:rPr lang="en-US" altLang="ko-KR" sz="2400" dirty="0" smtClean="0">
-                <a:latin typeface="나눔고딕" panose="020D0604000000000000" pitchFamily="50" charset="-127"/>
-                <a:ea typeface="나눔고딕" panose="020D0604000000000000" pitchFamily="50" charset="-127"/>
-              </a:rPr>
-              <a:t>DAO</a:t>
-            </a:r>
-            <a:r>
-              <a:rPr lang="ko-KR" altLang="en-US" sz="2400" dirty="0" smtClean="0">
-                <a:latin typeface="나눔고딕" panose="020D0604000000000000" pitchFamily="50" charset="-127"/>
-                <a:ea typeface="나눔고딕" panose="020D0604000000000000" pitchFamily="50" charset="-127"/>
-              </a:rPr>
-              <a:t>와 </a:t>
-            </a:r>
-            <a:r>
-              <a:rPr lang="en-US" altLang="ko-KR" sz="2400" dirty="0" smtClean="0">
-                <a:latin typeface="나눔고딕" panose="020D0604000000000000" pitchFamily="50" charset="-127"/>
-                <a:ea typeface="나눔고딕" panose="020D0604000000000000" pitchFamily="50" charset="-127"/>
-              </a:rPr>
-              <a:t>VO</a:t>
-            </a:r>
-            <a:r>
-              <a:rPr lang="ko-KR" altLang="en-US" sz="2400" dirty="0" smtClean="0">
-                <a:latin typeface="나눔고딕" panose="020D0604000000000000" pitchFamily="50" charset="-127"/>
-                <a:ea typeface="나눔고딕" panose="020D0604000000000000" pitchFamily="50" charset="-127"/>
-              </a:rPr>
-              <a:t>로 이루어져 있음</a:t>
-            </a:r>
-            <a:endParaRPr lang="en-US" altLang="ko-KR" sz="2400" dirty="0" smtClean="0">
-              <a:latin typeface="나눔고딕" panose="020D0604000000000000" pitchFamily="50" charset="-127"/>
-              <a:ea typeface="나눔고딕" panose="020D0604000000000000" pitchFamily="50" charset="-127"/>
-            </a:endParaRPr>
-          </a:p>
-        </p:txBody>
-      </p:sp>
-      <p:sp>
-        <p:nvSpPr>
-          <p:cNvPr id="20" name="대각선 방향의 모서리가 둥근 사각형 19"/>
-          <p:cNvSpPr/>
-          <p:nvPr/>
-        </p:nvSpPr>
-        <p:spPr>
-          <a:xfrm>
-            <a:off x="4748646" y="2353484"/>
-            <a:ext cx="1612321" cy="617623"/>
-          </a:xfrm>
-          <a:prstGeom prst="round2DiagRect">
-            <a:avLst/>
-          </a:prstGeom>
-          <a:ln>
-            <a:noFill/>
-          </a:ln>
-        </p:spPr>
-        <p:style>
-          <a:lnRef idx="2">
-            <a:schemeClr val="accent1">
-              <a:shade val="50000"/>
-            </a:schemeClr>
-          </a:lnRef>
-          <a:fillRef idx="1">
-            <a:schemeClr val="accent1"/>
-          </a:fillRef>
-          <a:effectRef idx="0">
-            <a:schemeClr val="accent1"/>
-          </a:effectRef>
-          <a:fontRef idx="minor">
-            <a:schemeClr val="lt1"/>
-          </a:fontRef>
-        </p:style>
-        <p:txBody>
-          <a:bodyPr rtlCol="0" anchor="ctr"/>
-          <a:lstStyle/>
-          <a:p>
-            <a:pPr algn="ctr"/>
-            <a:r>
-              <a:rPr lang="en-US" altLang="ko-KR" dirty="0" smtClean="0"/>
-              <a:t>View(JSP)</a:t>
-            </a:r>
-          </a:p>
-        </p:txBody>
-      </p:sp>
-      <p:sp>
-        <p:nvSpPr>
-          <p:cNvPr id="22" name="직사각형 21"/>
-          <p:cNvSpPr/>
-          <p:nvPr/>
-        </p:nvSpPr>
-        <p:spPr>
-          <a:xfrm>
-            <a:off x="7338406" y="816446"/>
-            <a:ext cx="1645920" cy="644603"/>
-          </a:xfrm>
-          <a:prstGeom prst="rect">
-            <a:avLst/>
-          </a:prstGeom>
-        </p:spPr>
-        <p:style>
-          <a:lnRef idx="2">
-            <a:schemeClr val="accent1">
-              <a:shade val="50000"/>
-            </a:schemeClr>
-          </a:lnRef>
-          <a:fillRef idx="1">
-            <a:schemeClr val="accent1"/>
-          </a:fillRef>
-          <a:effectRef idx="0">
-            <a:schemeClr val="accent1"/>
-          </a:effectRef>
-          <a:fontRef idx="minor">
-            <a:schemeClr val="lt1"/>
-          </a:fontRef>
-        </p:style>
-        <p:txBody>
-          <a:bodyPr rtlCol="0" anchor="ctr"/>
-          <a:lstStyle/>
-          <a:p>
-            <a:pPr algn="ctr"/>
-            <a:r>
-              <a:rPr lang="en-US" altLang="ko-KR" dirty="0" smtClean="0"/>
-              <a:t>Model</a:t>
-            </a:r>
-          </a:p>
-          <a:p>
-            <a:pPr algn="ctr"/>
-            <a:r>
-              <a:rPr lang="en-US" altLang="ko-KR" dirty="0" smtClean="0"/>
-              <a:t>(DAO)</a:t>
-            </a:r>
-            <a:endParaRPr lang="ko-KR" altLang="en-US" dirty="0"/>
-          </a:p>
-        </p:txBody>
-      </p:sp>
-      <p:sp>
-        <p:nvSpPr>
-          <p:cNvPr id="23" name="직사각형 22"/>
-          <p:cNvSpPr/>
-          <p:nvPr/>
-        </p:nvSpPr>
-        <p:spPr>
-          <a:xfrm>
-            <a:off x="4715047" y="816446"/>
-            <a:ext cx="1645920" cy="631577"/>
-          </a:xfrm>
-          <a:prstGeom prst="rect">
-            <a:avLst/>
-          </a:prstGeom>
-        </p:spPr>
-        <p:style>
-          <a:lnRef idx="2">
-            <a:schemeClr val="accent1">
-              <a:shade val="50000"/>
-            </a:schemeClr>
-          </a:lnRef>
-          <a:fillRef idx="1">
-            <a:schemeClr val="accent1"/>
-          </a:fillRef>
-          <a:effectRef idx="0">
-            <a:schemeClr val="accent1"/>
-          </a:effectRef>
-          <a:fontRef idx="minor">
-            <a:schemeClr val="lt1"/>
-          </a:fontRef>
-        </p:style>
-        <p:txBody>
-          <a:bodyPr rtlCol="0" anchor="ctr"/>
-          <a:lstStyle/>
-          <a:p>
-            <a:pPr algn="ctr"/>
-            <a:r>
-              <a:rPr lang="en-US" altLang="ko-KR" dirty="0" smtClean="0"/>
-              <a:t>Controller</a:t>
-            </a:r>
-          </a:p>
-          <a:p>
-            <a:pPr algn="ctr"/>
-            <a:r>
-              <a:rPr lang="en-US" altLang="ko-KR" dirty="0" smtClean="0"/>
-              <a:t>(Servlet)</a:t>
-            </a:r>
-            <a:endParaRPr lang="ko-KR" altLang="en-US" dirty="0"/>
-          </a:p>
-        </p:txBody>
-      </p:sp>
     </p:spTree>
     <p:extLst>
       <p:ext uri="{BB962C8B-B14F-4D97-AF65-F5344CB8AC3E}">
@@ -8584,7 +8576,7 @@
     </a:clrScheme>
     <a:fontScheme name="Office">
       <a:majorFont>
-        <a:latin typeface="맑은 고딕" panose="020F0302020204030204"/>
+        <a:latin typeface="맑은 고딕"/>
         <a:ea typeface=""/>
         <a:cs typeface=""/>
         <a:font script="Jpan" typeface="ＭＳ Ｐゴシック"/>
@@ -8619,7 +8611,7 @@
         <a:font script="Geor" typeface="Sylfaen"/>
       </a:majorFont>
       <a:minorFont>
-        <a:latin typeface="맑은 고딕" panose="020F0502020204030204"/>
+        <a:latin typeface="맑은 고딕"/>
         <a:ea typeface=""/>
         <a:cs typeface=""/>
         <a:font script="Jpan" typeface="ＭＳ Ｐゴシック"/>
@@ -8796,7 +8788,7 @@
   <a:extraClrSchemeLst/>
   <a:extLst>
     <a:ext uri="{05A4C25C-085E-4340-85A3-A5531E510DB2}">
-      <thm15:themeFamily xmlns:thm15="http://schemas.microsoft.com/office/thememl/2012/main" name="Office Theme" id="{62F939B6-93AF-4DB8-9C6B-D6C7DFDC589F}" vid="{4A3C46E8-61CC-4603-A589-7422A47A8E4A}"/>
+      <thm15:themeFamily xmlns:thm15="http://schemas.microsoft.com/office/thememl/2012/main" xmlns="" name="Office Theme" id="{62F939B6-93AF-4DB8-9C6B-D6C7DFDC589F}" vid="{4A3C46E8-61CC-4603-A589-7422A47A8E4A}"/>
     </a:ext>
   </a:extLst>
 </a:theme>
@@ -8845,7 +8837,7 @@
     </a:clrScheme>
     <a:fontScheme name="Office">
       <a:majorFont>
-        <a:latin typeface="맑은 고딕" panose="020F0302020204030204"/>
+        <a:latin typeface="맑은 고딕"/>
         <a:ea typeface=""/>
         <a:cs typeface=""/>
         <a:font script="Jpan" typeface="ＭＳ Ｐゴシック"/>
@@ -8880,7 +8872,7 @@
         <a:font script="Geor" typeface="Sylfaen"/>
       </a:majorFont>
       <a:minorFont>
-        <a:latin typeface="맑은 고딕" panose="020F0502020204030204"/>
+        <a:latin typeface="맑은 고딕"/>
         <a:ea typeface=""/>
         <a:cs typeface=""/>
         <a:font script="Jpan" typeface="ＭＳ Ｐゴシック"/>
@@ -9057,7 +9049,7 @@
   <a:extraClrSchemeLst/>
   <a:extLst>
     <a:ext uri="{05A4C25C-085E-4340-85A3-A5531E510DB2}">
-      <thm15:themeFamily xmlns:thm15="http://schemas.microsoft.com/office/thememl/2012/main" name="Office Theme" id="{62F939B6-93AF-4DB8-9C6B-D6C7DFDC589F}" vid="{4A3C46E8-61CC-4603-A589-7422A47A8E4A}"/>
+      <thm15:themeFamily xmlns:thm15="http://schemas.microsoft.com/office/thememl/2012/main" xmlns="" name="Office Theme" id="{62F939B6-93AF-4DB8-9C6B-D6C7DFDC589F}" vid="{4A3C46E8-61CC-4603-A589-7422A47A8E4A}"/>
     </a:ext>
   </a:extLst>
 </a:theme>
